--- a/Sistematización inventario KLIMATIZAR COLOMBIA SAS.pptx
+++ b/Sistematización inventario KLIMATIZAR COLOMBIA SAS.pptx
@@ -5,10 +5,10 @@
     <p:sldMasterId id="2147483648" r:id="rId1"/>
   </p:sldMasterIdLst>
   <p:notesMasterIdLst>
-    <p:notesMasterId r:id="rId18"/>
+    <p:notesMasterId r:id="rId21"/>
   </p:notesMasterIdLst>
   <p:handoutMasterIdLst>
-    <p:handoutMasterId r:id="rId19"/>
+    <p:handoutMasterId r:id="rId22"/>
   </p:handoutMasterIdLst>
   <p:sldIdLst>
     <p:sldId id="323" r:id="rId2"/>
@@ -26,7 +26,10 @@
     <p:sldId id="339" r:id="rId14"/>
     <p:sldId id="341" r:id="rId15"/>
     <p:sldId id="340" r:id="rId16"/>
-    <p:sldId id="342" r:id="rId17"/>
+    <p:sldId id="343" r:id="rId17"/>
+    <p:sldId id="344" r:id="rId18"/>
+    <p:sldId id="345" r:id="rId19"/>
+    <p:sldId id="342" r:id="rId20"/>
   </p:sldIdLst>
   <p:sldSz cx="9144000" cy="6858000" type="screen4x3"/>
   <p:notesSz cx="6858000" cy="9144000"/>
@@ -127,7 +130,7 @@
   </p:defaultTextStyle>
   <p:extLst>
     <p:ext uri="{EFAFB233-063F-42B5-8137-9DF3F51BA10A}">
-      <p15:sldGuideLst xmlns:p15="http://schemas.microsoft.com/office/powerpoint/2012/main">
+      <p15:sldGuideLst xmlns="" xmlns:p15="http://schemas.microsoft.com/office/powerpoint/2012/main">
         <p15:guide id="1" orient="horz" pos="2160">
           <p15:clr>
             <a:srgbClr val="A4A3A4"/>
@@ -141,7 +144,7 @@
       </p15:sldGuideLst>
     </p:ext>
     <p:ext uri="{2D200454-40CA-4A62-9FC3-DE9A4176ACB9}">
-      <p15:notesGuideLst xmlns:p15="http://schemas.microsoft.com/office/powerpoint/2012/main">
+      <p15:notesGuideLst xmlns="" xmlns:p15="http://schemas.microsoft.com/office/powerpoint/2012/main">
         <p15:guide id="1" orient="horz" pos="2880">
           <p15:clr>
             <a:srgbClr val="A4A3A4"/>
@@ -240,7 +243,7 @@
           <a:p>
             <a:fld id="{4E4206E0-8F38-491F-8DD8-9DEF31DAB11E}" type="datetimeFigureOut">
               <a:rPr lang="es-CO" smtClean="0"/>
-              <a:t>2/06/2016</a:t>
+              <a:t>21/09/2016</a:t>
             </a:fld>
             <a:endParaRPr lang="es-CO"/>
           </a:p>
@@ -405,7 +408,7 @@
           <a:p>
             <a:fld id="{AE7E15B5-955E-4B5B-9E1F-B3C4B4C6AE0C}" type="datetimeFigureOut">
               <a:rPr lang="es-CO" smtClean="0"/>
-              <a:t>2/06/2016</a:t>
+              <a:t>21/09/2016</a:t>
             </a:fld>
             <a:endParaRPr lang="es-CO"/>
           </a:p>
@@ -989,6 +992,18 @@
           <a:bodyPr/>
           <a:lstStyle/>
           <a:p>
+            <a:r>
+              <a:rPr lang="es-ES" sz="1200" b="0" i="0" u="none" strike="noStrike" kern="1200" dirty="0">
+                <a:solidFill>
+                  <a:schemeClr val="tx1"/>
+                </a:solidFill>
+                <a:effectLst/>
+                <a:latin typeface="+mn-lt"/>
+                <a:ea typeface="+mn-ea"/>
+                <a:cs typeface="+mn-cs"/>
+              </a:rPr>
+              <a:t/>
+            </a:r>
             <a:br>
               <a:rPr lang="es-ES" sz="1200" b="0" i="0" u="none" strike="noStrike" kern="1200" dirty="0">
                 <a:solidFill>
@@ -1000,6 +1015,18 @@
                 <a:cs typeface="+mn-cs"/>
               </a:rPr>
             </a:br>
+            <a:r>
+              <a:rPr lang="es-ES" sz="1200" b="0" i="0" u="none" strike="noStrike" kern="1200" dirty="0">
+                <a:solidFill>
+                  <a:schemeClr val="tx1"/>
+                </a:solidFill>
+                <a:effectLst/>
+                <a:latin typeface="+mn-lt"/>
+                <a:ea typeface="+mn-ea"/>
+                <a:cs typeface="+mn-cs"/>
+              </a:rPr>
+              <a:t/>
+            </a:r>
             <a:br>
               <a:rPr lang="es-ES" sz="1200" b="0" i="0" u="none" strike="noStrike" kern="1200" dirty="0">
                 <a:solidFill>
@@ -1225,7 +1252,7 @@
           <a:p>
             <a:fld id="{483D03DC-5ED8-7A42-A55E-C10C004AFC42}" type="datetimeFigureOut">
               <a:rPr lang="es-ES" smtClean="0"/>
-              <a:t>02/06/2016</a:t>
+              <a:t>21/09/2016</a:t>
             </a:fld>
             <a:endParaRPr lang="es-ES"/>
           </a:p>
@@ -1894,7 +1921,7 @@
           <a:p>
             <a:fld id="{483D03DC-5ED8-7A42-A55E-C10C004AFC42}" type="datetimeFigureOut">
               <a:rPr lang="es-ES" smtClean="0"/>
-              <a:t>02/06/2016</a:t>
+              <a:t>21/09/2016</a:t>
             </a:fld>
             <a:endParaRPr lang="es-ES" dirty="0"/>
           </a:p>
@@ -2053,7 +2080,7 @@
           <a:p>
             <a:fld id="{483D03DC-5ED8-7A42-A55E-C10C004AFC42}" type="datetimeFigureOut">
               <a:rPr lang="es-ES" smtClean="0"/>
-              <a:t>02/06/2016</a:t>
+              <a:t>21/09/2016</a:t>
             </a:fld>
             <a:endParaRPr lang="es-ES"/>
           </a:p>
@@ -2583,7 +2610,7 @@
           <a:p>
             <a:fld id="{483D03DC-5ED8-7A42-A55E-C10C004AFC42}" type="datetimeFigureOut">
               <a:rPr lang="es-ES" smtClean="0"/>
-              <a:t>02/06/2016</a:t>
+              <a:t>21/09/2016</a:t>
             </a:fld>
             <a:endParaRPr lang="es-ES"/>
           </a:p>
@@ -3116,7 +3143,7 @@
           <a:p>
             <a:fld id="{483D03DC-5ED8-7A42-A55E-C10C004AFC42}" type="datetimeFigureOut">
               <a:rPr lang="es-ES" smtClean="0"/>
-              <a:t>02/06/2016</a:t>
+              <a:t>21/09/2016</a:t>
             </a:fld>
             <a:endParaRPr lang="es-ES"/>
           </a:p>
@@ -3346,7 +3373,7 @@
           <a:p>
             <a:fld id="{483D03DC-5ED8-7A42-A55E-C10C004AFC42}" type="datetimeFigureOut">
               <a:rPr lang="es-ES" smtClean="0"/>
-              <a:t>02/06/2016</a:t>
+              <a:t>21/09/2016</a:t>
             </a:fld>
             <a:endParaRPr lang="es-ES"/>
           </a:p>
@@ -4024,7 +4051,7 @@
           <a:p>
             <a:fld id="{483D03DC-5ED8-7A42-A55E-C10C004AFC42}" type="datetimeFigureOut">
               <a:rPr lang="es-ES" smtClean="0"/>
-              <a:t>02/06/2016</a:t>
+              <a:t>21/09/2016</a:t>
             </a:fld>
             <a:endParaRPr lang="es-ES" dirty="0"/>
           </a:p>
@@ -4119,7 +4146,7 @@
           <a:p>
             <a:fld id="{483D03DC-5ED8-7A42-A55E-C10C004AFC42}" type="datetimeFigureOut">
               <a:rPr lang="es-ES" smtClean="0"/>
-              <a:t>02/06/2016</a:t>
+              <a:t>21/09/2016</a:t>
             </a:fld>
             <a:endParaRPr lang="es-ES"/>
           </a:p>
@@ -4664,7 +4691,7 @@
           <a:p>
             <a:fld id="{483D03DC-5ED8-7A42-A55E-C10C004AFC42}" type="datetimeFigureOut">
               <a:rPr lang="es-ES" smtClean="0"/>
-              <a:t>02/06/2016</a:t>
+              <a:t>21/09/2016</a:t>
             </a:fld>
             <a:endParaRPr lang="es-ES"/>
           </a:p>
@@ -5581,7 +5608,7 @@
           <a:p>
             <a:fld id="{483D03DC-5ED8-7A42-A55E-C10C004AFC42}" type="datetimeFigureOut">
               <a:rPr lang="es-ES" smtClean="0"/>
-              <a:t>02/06/2016</a:t>
+              <a:t>21/09/2016</a:t>
             </a:fld>
             <a:endParaRPr lang="es-ES" dirty="0"/>
           </a:p>
@@ -5740,7 +5767,7 @@
           <a:p>
             <a:fld id="{483D03DC-5ED8-7A42-A55E-C10C004AFC42}" type="datetimeFigureOut">
               <a:rPr lang="es-ES" smtClean="0"/>
-              <a:t>02/06/2016</a:t>
+              <a:t>21/09/2016</a:t>
             </a:fld>
             <a:endParaRPr lang="es-ES"/>
           </a:p>
@@ -6270,7 +6297,7 @@
           <a:p>
             <a:fld id="{483D03DC-5ED8-7A42-A55E-C10C004AFC42}" type="datetimeFigureOut">
               <a:rPr lang="es-ES" smtClean="0"/>
-              <a:t>02/06/2016</a:t>
+              <a:t>21/09/2016</a:t>
             </a:fld>
             <a:endParaRPr lang="es-ES"/>
           </a:p>
@@ -6829,7 +6856,7 @@
           <a:p>
             <a:fld id="{483D03DC-5ED8-7A42-A55E-C10C004AFC42}" type="datetimeFigureOut">
               <a:rPr lang="es-ES" smtClean="0"/>
-              <a:t>02/06/2016</a:t>
+              <a:t>21/09/2016</a:t>
             </a:fld>
             <a:endParaRPr lang="es-ES"/>
           </a:p>
@@ -7245,15 +7272,22 @@
           <a:p>
             <a:pPr algn="l" defTabSz="288000"/>
             <a:r>
-              <a:rPr lang="es-CO" sz="6600" b="1" dirty="0">
+              <a:rPr lang="es-CO" sz="6600" b="1" dirty="0" smtClean="0">
                 <a:solidFill>
                   <a:schemeClr val="accent5">
                     <a:lumMod val="75000"/>
                   </a:schemeClr>
                 </a:solidFill>
               </a:rPr>
-              <a:t>Proyectos Segundo</a:t>
+              <a:t>Proyectos Tercero</a:t>
             </a:r>
+            <a:endParaRPr lang="es-CO" sz="6600" b="1" dirty="0">
+              <a:solidFill>
+                <a:schemeClr val="accent5">
+                  <a:lumMod val="75000"/>
+                </a:schemeClr>
+              </a:solidFill>
+            </a:endParaRPr>
           </a:p>
         </p:txBody>
       </p:sp>
@@ -7354,6 +7388,13 @@
   <p:clrMapOvr>
     <a:masterClrMapping/>
   </p:clrMapOvr>
+  <p:timing>
+    <p:tnLst>
+      <p:par>
+        <p:cTn id="1" dur="indefinite" restart="never" nodeType="tmRoot"/>
+      </p:par>
+    </p:tnLst>
+  </p:timing>
 </p:sld>
 </file>
 
@@ -7527,6 +7568,13 @@
   <p:clrMapOvr>
     <a:masterClrMapping/>
   </p:clrMapOvr>
+  <p:timing>
+    <p:tnLst>
+      <p:par>
+        <p:cTn id="1" dur="indefinite" restart="never" nodeType="tmRoot"/>
+      </p:par>
+    </p:tnLst>
+  </p:timing>
 </p:sld>
 </file>
 
@@ -7648,6 +7696,13 @@
   <p:clrMapOvr>
     <a:masterClrMapping/>
   </p:clrMapOvr>
+  <p:timing>
+    <p:tnLst>
+      <p:par>
+        <p:cTn id="1" dur="indefinite" restart="never" nodeType="tmRoot"/>
+      </p:par>
+    </p:tnLst>
+  </p:timing>
 </p:sld>
 </file>
 
@@ -7873,6 +7928,13 @@
   <p:clrMapOvr>
     <a:masterClrMapping/>
   </p:clrMapOvr>
+  <p:timing>
+    <p:tnLst>
+      <p:par>
+        <p:cTn id="1" dur="indefinite" restart="never" nodeType="tmRoot"/>
+      </p:par>
+    </p:tnLst>
+  </p:timing>
 </p:sld>
 </file>
 
@@ -8112,6 +8174,13 @@
   <p:clrMapOvr>
     <a:masterClrMapping/>
   </p:clrMapOvr>
+  <p:timing>
+    <p:tnLst>
+      <p:par>
+        <p:cTn id="1" dur="indefinite" restart="never" nodeType="tmRoot"/>
+      </p:par>
+    </p:tnLst>
+  </p:timing>
 </p:sld>
 </file>
 
@@ -8242,8 +8311,8 @@
         </p:nvSpPr>
         <p:spPr>
           <a:xfrm>
-            <a:off x="1177253" y="2690949"/>
-            <a:ext cx="6688184" cy="2717073"/>
+            <a:off x="968188" y="2272553"/>
+            <a:ext cx="7140388" cy="3482788"/>
           </a:xfrm>
           <a:prstGeom prst="rect">
             <a:avLst/>
@@ -8269,8 +8338,23 @@
                 <a:cs typeface="Arial" panose="020B0604020202020204" pitchFamily="34" charset="0"/>
                 <a:hlinkClick r:id="rId2" action="ppaction://hlinkfile"/>
               </a:rPr>
-              <a:t>Modelo Entidad Relación</a:t>
+              <a:t>Modelo Entidad </a:t>
             </a:r>
+            <a:r>
+              <a:rPr lang="es-ES" sz="3600" dirty="0" smtClean="0">
+                <a:latin typeface="Arial" panose="020B0604020202020204" pitchFamily="34" charset="0"/>
+                <a:cs typeface="Arial" panose="020B0604020202020204" pitchFamily="34" charset="0"/>
+                <a:hlinkClick r:id="rId2" action="ppaction://hlinkfile"/>
+              </a:rPr>
+              <a:t>Relación</a:t>
+            </a:r>
+            <a:endParaRPr lang="es-ES" sz="3600" dirty="0" smtClean="0">
+              <a:latin typeface="Arial" panose="020B0604020202020204" pitchFamily="34" charset="0"/>
+              <a:cs typeface="Arial" panose="020B0604020202020204" pitchFamily="34" charset="0"/>
+            </a:endParaRPr>
+          </a:p>
+          <a:p>
+            <a:pPr algn="l"/>
             <a:endParaRPr lang="es-ES" sz="3600" dirty="0">
               <a:latin typeface="Arial" panose="020B0604020202020204" pitchFamily="34" charset="0"/>
               <a:cs typeface="Arial" panose="020B0604020202020204" pitchFamily="34" charset="0"/>
@@ -8291,8 +8375,23 @@
                 <a:cs typeface="Arial" panose="020B0604020202020204" pitchFamily="34" charset="0"/>
                 <a:hlinkClick r:id="rId3" action="ppaction://hlinkfile"/>
               </a:rPr>
-              <a:t>Modelo Lógico Relacional</a:t>
+              <a:t>Modelo Lógico </a:t>
             </a:r>
+            <a:r>
+              <a:rPr lang="es-ES" sz="3600" dirty="0" smtClean="0">
+                <a:latin typeface="Arial" panose="020B0604020202020204" pitchFamily="34" charset="0"/>
+                <a:cs typeface="Arial" panose="020B0604020202020204" pitchFamily="34" charset="0"/>
+                <a:hlinkClick r:id="rId3" action="ppaction://hlinkfile"/>
+              </a:rPr>
+              <a:t>Relacional</a:t>
+            </a:r>
+            <a:endParaRPr lang="es-ES" sz="3600" dirty="0" smtClean="0">
+              <a:latin typeface="Arial" panose="020B0604020202020204" pitchFamily="34" charset="0"/>
+              <a:cs typeface="Arial" panose="020B0604020202020204" pitchFamily="34" charset="0"/>
+            </a:endParaRPr>
+          </a:p>
+          <a:p>
+            <a:pPr algn="l"/>
             <a:endParaRPr lang="es-ES" sz="3600" dirty="0">
               <a:latin typeface="Arial" panose="020B0604020202020204" pitchFamily="34" charset="0"/>
               <a:cs typeface="Arial" panose="020B0604020202020204" pitchFamily="34" charset="0"/>
@@ -8301,75 +8400,7 @@
           <a:p>
             <a:pPr algn="l"/>
             <a:r>
-              <a:rPr lang="es-ES" sz="3600" dirty="0">
-                <a:solidFill>
-                  <a:schemeClr val="tx1">
-                    <a:lumMod val="75000"/>
-                    <a:lumOff val="25000"/>
-                  </a:schemeClr>
-                </a:solidFill>
-                <a:latin typeface="Arial" panose="020B0604020202020204" pitchFamily="34" charset="0"/>
-                <a:cs typeface="Arial" panose="020B0604020202020204" pitchFamily="34" charset="0"/>
-                <a:hlinkClick r:id="rId4" action="ppaction://hlinkfile"/>
-              </a:rPr>
-              <a:t>-</a:t>
-            </a:r>
-            <a:r>
-              <a:rPr lang="es-ES" sz="3600" dirty="0" err="1">
-                <a:solidFill>
-                  <a:schemeClr val="tx1">
-                    <a:lumMod val="75000"/>
-                    <a:lumOff val="25000"/>
-                  </a:schemeClr>
-                </a:solidFill>
-                <a:hlinkClick r:id="rId4" action="ppaction://hlinkfile"/>
-              </a:rPr>
-              <a:t>Scribd</a:t>
-            </a:r>
-            <a:r>
-              <a:rPr lang="es-ES" sz="3600" dirty="0">
-                <a:solidFill>
-                  <a:schemeClr val="tx1">
-                    <a:lumMod val="75000"/>
-                    <a:lumOff val="25000"/>
-                  </a:schemeClr>
-                </a:solidFill>
-                <a:hlinkClick r:id="rId4" action="ppaction://hlinkfile"/>
-              </a:rPr>
-              <a:t> Base de Datos</a:t>
-            </a:r>
-            <a:endParaRPr lang="es-ES" sz="3600" dirty="0">
-              <a:solidFill>
-                <a:schemeClr val="tx1">
-                  <a:lumMod val="75000"/>
-                  <a:lumOff val="25000"/>
-                </a:schemeClr>
-              </a:solidFill>
-            </a:endParaRPr>
-          </a:p>
-          <a:p>
-            <a:pPr algn="l"/>
-            <a:r>
-              <a:rPr lang="es-ES" sz="3600" dirty="0">
-                <a:solidFill>
-                  <a:schemeClr val="tx1">
-                    <a:lumMod val="75000"/>
-                    <a:lumOff val="25000"/>
-                  </a:schemeClr>
-                </a:solidFill>
-                <a:hlinkClick r:id="rId5" action="ppaction://hlinkfile"/>
-              </a:rPr>
-              <a:t>-Modelo Base de Datos</a:t>
-            </a:r>
-            <a:endParaRPr lang="es-ES" sz="3600" dirty="0">
-              <a:latin typeface="Arial" panose="020B0604020202020204" pitchFamily="34" charset="0"/>
-              <a:cs typeface="Arial" panose="020B0604020202020204" pitchFamily="34" charset="0"/>
-            </a:endParaRPr>
-          </a:p>
-          <a:p>
-            <a:pPr algn="l"/>
-            <a:r>
-              <a:rPr lang="es-ES" sz="3600" dirty="0">
+              <a:rPr lang="es-ES" sz="3600" dirty="0" smtClean="0">
                 <a:latin typeface="Arial" panose="020B0604020202020204" pitchFamily="34" charset="0"/>
                 <a:cs typeface="Arial" panose="020B0604020202020204" pitchFamily="34" charset="0"/>
               </a:rPr>
@@ -8379,7 +8410,7 @@
               <a:rPr lang="es-ES" sz="3600" dirty="0">
                 <a:latin typeface="Arial" panose="020B0604020202020204" pitchFamily="34" charset="0"/>
                 <a:cs typeface="Arial" panose="020B0604020202020204" pitchFamily="34" charset="0"/>
-                <a:hlinkClick r:id="rId6" action="ppaction://hlinkfile"/>
+                <a:hlinkClick r:id="rId4" action="ppaction://hlinkfile"/>
               </a:rPr>
               <a:t>Diccionario de Datos</a:t>
             </a:r>
@@ -8407,6 +8438,13 @@
   <p:clrMapOvr>
     <a:masterClrMapping/>
   </p:clrMapOvr>
+  <p:timing>
+    <p:tnLst>
+      <p:par>
+        <p:cTn id="1" dur="indefinite" restart="never" nodeType="tmRoot"/>
+      </p:par>
+    </p:tnLst>
+  </p:timing>
 </p:sld>
 </file>
 
@@ -8436,7 +8474,7 @@
         <p:spPr>
           <a:xfrm>
             <a:off x="363711" y="2014243"/>
-            <a:ext cx="8238058" cy="3539430"/>
+            <a:ext cx="8238058" cy="3046988"/>
           </a:xfrm>
           <a:prstGeom prst="rect">
             <a:avLst/>
@@ -8571,32 +8609,6 @@
               <a:t>-Informes de uso de recursos </a:t>
             </a:r>
             <a:endParaRPr lang="es-CO" sz="3200" dirty="0">
-              <a:solidFill>
-                <a:schemeClr val="tx1">
-                  <a:lumMod val="75000"/>
-                  <a:lumOff val="25000"/>
-                </a:schemeClr>
-              </a:solidFill>
-            </a:endParaRPr>
-          </a:p>
-          <a:p>
-            <a:pPr>
-              <a:buFont typeface="Wingdings" pitchFamily="2" charset="2"/>
-              <a:buChar char="q"/>
-            </a:pPr>
-            <a:r>
-              <a:rPr lang="es-ES" sz="3200" dirty="0">
-                <a:solidFill>
-                  <a:schemeClr val="tx1">
-                    <a:lumMod val="75000"/>
-                    <a:lumOff val="25000"/>
-                  </a:schemeClr>
-                </a:solidFill>
-                <a:hlinkClick r:id="rId7" action="ppaction://hlinkfile"/>
-              </a:rPr>
-              <a:t>Prototipo</a:t>
-            </a:r>
-            <a:endParaRPr lang="es-ES" sz="3200" dirty="0">
               <a:solidFill>
                 <a:schemeClr val="tx1">
                   <a:lumMod val="75000"/>
@@ -8730,6 +8742,13 @@
   <p:clrMapOvr>
     <a:masterClrMapping/>
   </p:clrMapOvr>
+  <p:timing>
+    <p:tnLst>
+      <p:par>
+        <p:cTn id="1" dur="indefinite" restart="never" nodeType="tmRoot"/>
+      </p:par>
+    </p:tnLst>
+  </p:timing>
 </p:sld>
 </file>
 
@@ -8760,6 +8779,58 @@
         </p:nvSpPr>
         <p:spPr>
           <a:xfrm>
+            <a:off x="474037" y="565070"/>
+            <a:ext cx="7391400" cy="1172754"/>
+          </a:xfrm>
+          <a:prstGeom prst="rect">
+            <a:avLst/>
+          </a:prstGeom>
+        </p:spPr>
+        <p:txBody>
+          <a:bodyPr vert="horz" lIns="91440" tIns="45720" rIns="91440" bIns="45720" rtlCol="0" anchor="ctr">
+            <a:noAutofit/>
+          </a:bodyPr>
+          <a:lstStyle>
+            <a:lvl1pPr algn="ctr" defTabSz="457200" rtl="0" eaLnBrk="1" latinLnBrk="0" hangingPunct="1">
+              <a:spcBef>
+                <a:spcPct val="0"/>
+              </a:spcBef>
+              <a:buNone/>
+              <a:defRPr sz="4400" kern="1200">
+                <a:solidFill>
+                  <a:schemeClr val="tx1"/>
+                </a:solidFill>
+                <a:latin typeface="+mj-lt"/>
+                <a:ea typeface="+mj-ea"/>
+                <a:cs typeface="+mj-cs"/>
+              </a:defRPr>
+            </a:lvl1pPr>
+          </a:lstStyle>
+          <a:p>
+            <a:pPr algn="l" defTabSz="288000"/>
+            <a:r>
+              <a:rPr lang="es-CO" b="1" dirty="0" smtClean="0">
+                <a:solidFill>
+                  <a:schemeClr val="bg1">
+                    <a:lumMod val="95000"/>
+                  </a:schemeClr>
+                </a:solidFill>
+              </a:rPr>
+              <a:t>Metodológico</a:t>
+            </a:r>
+          </a:p>
+        </p:txBody>
+      </p:sp>
+      <p:sp>
+        <p:nvSpPr>
+          <p:cNvPr id="5" name="Título 1"/>
+          <p:cNvSpPr txBox="1">
+            <a:spLocks/>
+          </p:cNvSpPr>
+          <p:nvPr/>
+        </p:nvSpPr>
+        <p:spPr>
+          <a:xfrm>
             <a:off x="458271" y="170587"/>
             <a:ext cx="5664870" cy="930166"/>
           </a:xfrm>
@@ -8790,7 +8861,7 @@
           <a:p>
             <a:pPr algn="l" defTabSz="288000"/>
             <a:r>
-              <a:rPr lang="es-CO" sz="5400" b="1" dirty="0">
+              <a:rPr lang="es-CO" sz="5400" b="1" dirty="0" smtClean="0">
                 <a:solidFill>
                   <a:schemeClr val="bg1"/>
                 </a:solidFill>
@@ -8802,7 +8873,366 @@
       </p:sp>
       <p:sp>
         <p:nvSpPr>
-          <p:cNvPr id="5" name="Título 1"/>
+          <p:cNvPr id="6" name="5 Rectángulo"/>
+          <p:cNvSpPr/>
+          <p:nvPr/>
+        </p:nvSpPr>
+        <p:spPr>
+          <a:xfrm>
+            <a:off x="1883736" y="2137646"/>
+            <a:ext cx="5713851" cy="830997"/>
+          </a:xfrm>
+          <a:prstGeom prst="rect">
+            <a:avLst/>
+          </a:prstGeom>
+        </p:spPr>
+        <p:txBody>
+          <a:bodyPr wrap="square">
+            <a:spAutoFit/>
+          </a:bodyPr>
+          <a:lstStyle/>
+          <a:p>
+            <a:pPr>
+              <a:defRPr/>
+            </a:pPr>
+            <a:r>
+              <a:rPr lang="es-ES" sz="2400" dirty="0">
+                <a:solidFill>
+                  <a:schemeClr val="accent6">
+                    <a:lumMod val="75000"/>
+                  </a:schemeClr>
+                </a:solidFill>
+                <a:latin typeface="Arial Narrow" panose="020B0606020202030204" pitchFamily="34" charset="0"/>
+              </a:rPr>
+              <a:t>Taller 1. </a:t>
+            </a:r>
+            <a:r>
+              <a:rPr lang="es-ES" sz="2400" dirty="0" smtClean="0">
+                <a:solidFill>
+                  <a:schemeClr val="accent6">
+                    <a:lumMod val="75000"/>
+                  </a:schemeClr>
+                </a:solidFill>
+                <a:latin typeface="Arial Narrow" panose="020B0606020202030204" pitchFamily="34" charset="0"/>
+                <a:hlinkClick r:id="rId2" action="ppaction://hlinkfile"/>
+              </a:rPr>
+              <a:t>Requerimientos </a:t>
+            </a:r>
+            <a:r>
+              <a:rPr lang="es-ES" sz="2400" dirty="0">
+                <a:solidFill>
+                  <a:schemeClr val="accent6">
+                    <a:lumMod val="75000"/>
+                  </a:schemeClr>
+                </a:solidFill>
+                <a:latin typeface="Arial Narrow" panose="020B0606020202030204" pitchFamily="34" charset="0"/>
+                <a:hlinkClick r:id="rId2" action="ppaction://hlinkfile"/>
+              </a:rPr>
+              <a:t>Técnicos </a:t>
+            </a:r>
+            <a:r>
+              <a:rPr lang="es-ES" sz="2400" dirty="0" smtClean="0">
+                <a:solidFill>
+                  <a:schemeClr val="accent6">
+                    <a:lumMod val="75000"/>
+                  </a:schemeClr>
+                </a:solidFill>
+                <a:latin typeface="Arial Narrow" panose="020B0606020202030204" pitchFamily="34" charset="0"/>
+                <a:hlinkClick r:id="rId2" action="ppaction://hlinkfile"/>
+              </a:rPr>
+              <a:t>del Proyecto</a:t>
+            </a:r>
+            <a:endParaRPr lang="es-ES" sz="2400" dirty="0">
+              <a:solidFill>
+                <a:schemeClr val="accent6">
+                  <a:lumMod val="75000"/>
+                </a:schemeClr>
+              </a:solidFill>
+              <a:latin typeface="Arial Narrow" panose="020B0606020202030204" pitchFamily="34" charset="0"/>
+              <a:hlinkClick r:id="rId2" action="ppaction://hlinkfile"/>
+            </a:endParaRPr>
+          </a:p>
+          <a:p>
+            <a:pPr>
+              <a:defRPr/>
+            </a:pPr>
+            <a:r>
+              <a:rPr lang="es-ES" sz="2400" dirty="0">
+                <a:solidFill>
+                  <a:schemeClr val="accent6">
+                    <a:lumMod val="75000"/>
+                  </a:schemeClr>
+                </a:solidFill>
+                <a:latin typeface="Arial Narrow" panose="020B0606020202030204" pitchFamily="34" charset="0"/>
+                <a:hlinkClick r:id="rId2" action="ppaction://hlinkfile"/>
+              </a:rPr>
+              <a:t>Actividad: Tabla de Requerimientos </a:t>
+            </a:r>
+            <a:endParaRPr lang="es-ES" sz="2400" dirty="0">
+              <a:solidFill>
+                <a:schemeClr val="accent6">
+                  <a:lumMod val="75000"/>
+                </a:schemeClr>
+              </a:solidFill>
+              <a:latin typeface="Arial Narrow" panose="020B0606020202030204" pitchFamily="34" charset="0"/>
+            </a:endParaRPr>
+          </a:p>
+        </p:txBody>
+      </p:sp>
+      <p:sp>
+        <p:nvSpPr>
+          <p:cNvPr id="7" name="6 Rectángulo"/>
+          <p:cNvSpPr/>
+          <p:nvPr/>
+        </p:nvSpPr>
+        <p:spPr>
+          <a:xfrm>
+            <a:off x="1883735" y="3334872"/>
+            <a:ext cx="4518511" cy="461665"/>
+          </a:xfrm>
+          <a:prstGeom prst="rect">
+            <a:avLst/>
+          </a:prstGeom>
+        </p:spPr>
+        <p:txBody>
+          <a:bodyPr wrap="square">
+            <a:spAutoFit/>
+          </a:bodyPr>
+          <a:lstStyle/>
+          <a:p>
+            <a:pPr>
+              <a:defRPr/>
+            </a:pPr>
+            <a:r>
+              <a:rPr lang="es-ES" sz="2400" dirty="0">
+                <a:solidFill>
+                  <a:schemeClr val="accent6">
+                    <a:lumMod val="75000"/>
+                  </a:schemeClr>
+                </a:solidFill>
+                <a:latin typeface="Arial Narrow" panose="020B0606020202030204" pitchFamily="34" charset="0"/>
+              </a:rPr>
+              <a:t>Taller 2. </a:t>
+            </a:r>
+            <a:r>
+              <a:rPr lang="es-ES" sz="2400" dirty="0" smtClean="0">
+                <a:solidFill>
+                  <a:schemeClr val="accent6">
+                    <a:lumMod val="75000"/>
+                  </a:schemeClr>
+                </a:solidFill>
+                <a:latin typeface="Arial Narrow" panose="020B0606020202030204" pitchFamily="34" charset="0"/>
+                <a:hlinkClick r:id="rId3" action="ppaction://hlinkfile"/>
+              </a:rPr>
+              <a:t>Análisis </a:t>
+            </a:r>
+            <a:r>
+              <a:rPr lang="es-ES" sz="2400" dirty="0">
+                <a:solidFill>
+                  <a:schemeClr val="accent6">
+                    <a:lumMod val="75000"/>
+                  </a:schemeClr>
+                </a:solidFill>
+                <a:latin typeface="Arial Narrow" panose="020B0606020202030204" pitchFamily="34" charset="0"/>
+                <a:hlinkClick r:id="rId3" action="ppaction://hlinkfile"/>
+              </a:rPr>
+              <a:t>de </a:t>
+            </a:r>
+            <a:r>
+              <a:rPr lang="es-ES" sz="2400" dirty="0" smtClean="0">
+                <a:solidFill>
+                  <a:schemeClr val="accent6">
+                    <a:lumMod val="75000"/>
+                  </a:schemeClr>
+                </a:solidFill>
+                <a:latin typeface="Arial Narrow" panose="020B0606020202030204" pitchFamily="34" charset="0"/>
+                <a:hlinkClick r:id="rId3" action="ppaction://hlinkfile"/>
+              </a:rPr>
+              <a:t>Proveedores</a:t>
+            </a:r>
+            <a:endParaRPr lang="es-ES" sz="2400" dirty="0">
+              <a:solidFill>
+                <a:schemeClr val="accent6">
+                  <a:lumMod val="75000"/>
+                </a:schemeClr>
+              </a:solidFill>
+              <a:latin typeface="Arial Narrow" panose="020B0606020202030204" pitchFamily="34" charset="0"/>
+            </a:endParaRPr>
+          </a:p>
+        </p:txBody>
+      </p:sp>
+      <p:sp>
+        <p:nvSpPr>
+          <p:cNvPr id="8" name="7 Rectángulo"/>
+          <p:cNvSpPr/>
+          <p:nvPr/>
+        </p:nvSpPr>
+        <p:spPr>
+          <a:xfrm>
+            <a:off x="1883736" y="4087905"/>
+            <a:ext cx="3711388" cy="461665"/>
+          </a:xfrm>
+          <a:prstGeom prst="rect">
+            <a:avLst/>
+          </a:prstGeom>
+        </p:spPr>
+        <p:txBody>
+          <a:bodyPr wrap="square">
+            <a:spAutoFit/>
+          </a:bodyPr>
+          <a:lstStyle/>
+          <a:p>
+            <a:r>
+              <a:rPr lang="es-ES" sz="2400" dirty="0">
+                <a:solidFill>
+                  <a:schemeClr val="accent5">
+                    <a:lumMod val="75000"/>
+                  </a:schemeClr>
+                </a:solidFill>
+                <a:latin typeface="Arial Narrow" panose="020B0606020202030204" pitchFamily="34" charset="0"/>
+              </a:rPr>
+              <a:t>Taller </a:t>
+            </a:r>
+            <a:r>
+              <a:rPr lang="es-ES" sz="2400" dirty="0" smtClean="0">
+                <a:solidFill>
+                  <a:schemeClr val="accent5">
+                    <a:lumMod val="75000"/>
+                  </a:schemeClr>
+                </a:solidFill>
+                <a:latin typeface="Arial Narrow" panose="020B0606020202030204" pitchFamily="34" charset="0"/>
+              </a:rPr>
+              <a:t>1.</a:t>
+            </a:r>
+            <a:r>
+              <a:rPr lang="es-ES" sz="2400" dirty="0" smtClean="0">
+                <a:solidFill>
+                  <a:schemeClr val="accent5">
+                    <a:lumMod val="75000"/>
+                  </a:schemeClr>
+                </a:solidFill>
+                <a:latin typeface="Arial Narrow" panose="020B0606020202030204" pitchFamily="34" charset="0"/>
+                <a:hlinkClick r:id="rId4" action="ppaction://hlinkfile"/>
+              </a:rPr>
+              <a:t>Impacto</a:t>
+            </a:r>
+            <a:r>
+              <a:rPr lang="es-ES" sz="2400" dirty="0" smtClean="0">
+                <a:solidFill>
+                  <a:schemeClr val="accent5">
+                    <a:lumMod val="75000"/>
+                  </a:schemeClr>
+                </a:solidFill>
+                <a:latin typeface="Arial Narrow" panose="020B0606020202030204" pitchFamily="34" charset="0"/>
+              </a:rPr>
+              <a:t> </a:t>
+            </a:r>
+            <a:r>
+              <a:rPr lang="es-ES" sz="2400" dirty="0">
+                <a:solidFill>
+                  <a:schemeClr val="accent5">
+                    <a:lumMod val="75000"/>
+                  </a:schemeClr>
+                </a:solidFill>
+                <a:latin typeface="Arial Narrow" panose="020B0606020202030204" pitchFamily="34" charset="0"/>
+                <a:hlinkClick r:id="rId4" action="ppaction://hlinkfile"/>
+              </a:rPr>
+              <a:t>Ambiental</a:t>
+            </a:r>
+            <a:endParaRPr lang="es-ES" sz="2400" dirty="0">
+              <a:solidFill>
+                <a:schemeClr val="accent5">
+                  <a:lumMod val="75000"/>
+                </a:schemeClr>
+              </a:solidFill>
+              <a:latin typeface="Arial Narrow" panose="020B0606020202030204" pitchFamily="34" charset="0"/>
+            </a:endParaRPr>
+          </a:p>
+        </p:txBody>
+      </p:sp>
+    </p:spTree>
+    <p:extLst>
+      <p:ext uri="{BB962C8B-B14F-4D97-AF65-F5344CB8AC3E}">
+        <p14:creationId xmlns:p14="http://schemas.microsoft.com/office/powerpoint/2010/main" val="669943102"/>
+      </p:ext>
+    </p:extLst>
+  </p:cSld>
+  <p:clrMapOvr>
+    <a:masterClrMapping/>
+  </p:clrMapOvr>
+</p:sld>
+</file>
+
+<file path=ppt/slides/slide17.xml><?xml version="1.0" encoding="utf-8"?>
+<p:sld xmlns:a="http://schemas.openxmlformats.org/drawingml/2006/main" xmlns:r="http://schemas.openxmlformats.org/officeDocument/2006/relationships" xmlns:p="http://schemas.openxmlformats.org/presentationml/2006/main">
+  <p:cSld>
+    <p:spTree>
+      <p:nvGrpSpPr>
+        <p:cNvPr id="1" name=""/>
+        <p:cNvGrpSpPr/>
+        <p:nvPr/>
+      </p:nvGrpSpPr>
+      <p:grpSpPr>
+        <a:xfrm>
+          <a:off x="0" y="0"/>
+          <a:ext cx="0" cy="0"/>
+          <a:chOff x="0" y="0"/>
+          <a:chExt cx="0" cy="0"/>
+        </a:xfrm>
+      </p:grpSpPr>
+      <p:sp>
+        <p:nvSpPr>
+          <p:cNvPr id="2" name="Título 1"/>
+          <p:cNvSpPr txBox="1">
+            <a:spLocks/>
+          </p:cNvSpPr>
+          <p:nvPr/>
+        </p:nvSpPr>
+        <p:spPr>
+          <a:xfrm>
+            <a:off x="458271" y="170587"/>
+            <a:ext cx="5664870" cy="930166"/>
+          </a:xfrm>
+          <a:prstGeom prst="rect">
+            <a:avLst/>
+          </a:prstGeom>
+        </p:spPr>
+        <p:txBody>
+          <a:bodyPr vert="horz" lIns="91440" tIns="45720" rIns="91440" bIns="45720" rtlCol="0" anchor="ctr">
+            <a:noAutofit/>
+          </a:bodyPr>
+          <a:lstStyle>
+            <a:lvl1pPr algn="ctr" defTabSz="457200" rtl="0" eaLnBrk="1" latinLnBrk="0" hangingPunct="1">
+              <a:spcBef>
+                <a:spcPct val="0"/>
+              </a:spcBef>
+              <a:buNone/>
+              <a:defRPr sz="4400" kern="1200">
+                <a:solidFill>
+                  <a:schemeClr val="tx1"/>
+                </a:solidFill>
+                <a:latin typeface="+mj-lt"/>
+                <a:ea typeface="+mj-ea"/>
+                <a:cs typeface="+mj-cs"/>
+              </a:defRPr>
+            </a:lvl1pPr>
+          </a:lstStyle>
+          <a:p>
+            <a:pPr algn="l" defTabSz="288000"/>
+            <a:r>
+              <a:rPr lang="es-CO" sz="5400" b="1" dirty="0" smtClean="0">
+                <a:solidFill>
+                  <a:schemeClr val="bg1"/>
+                </a:solidFill>
+              </a:rPr>
+              <a:t>Componente </a:t>
+            </a:r>
+          </a:p>
+        </p:txBody>
+      </p:sp>
+      <p:sp>
+        <p:nvSpPr>
+          <p:cNvPr id="3" name="Título 1"/>
           <p:cNvSpPr txBox="1">
             <a:spLocks/>
           </p:cNvSpPr>
@@ -8840,6 +9270,758 @@
           <a:p>
             <a:pPr algn="l" defTabSz="288000"/>
             <a:r>
+              <a:rPr lang="es-CO" b="1" dirty="0" smtClean="0">
+                <a:solidFill>
+                  <a:schemeClr val="bg1">
+                    <a:lumMod val="95000"/>
+                  </a:schemeClr>
+                </a:solidFill>
+              </a:rPr>
+              <a:t>Técnico</a:t>
+            </a:r>
+          </a:p>
+        </p:txBody>
+      </p:sp>
+      <p:sp>
+        <p:nvSpPr>
+          <p:cNvPr id="4" name="3 Rectángulo"/>
+          <p:cNvSpPr/>
+          <p:nvPr/>
+        </p:nvSpPr>
+        <p:spPr>
+          <a:xfrm>
+            <a:off x="1210234" y="2662518"/>
+            <a:ext cx="6898341" cy="2246769"/>
+          </a:xfrm>
+          <a:prstGeom prst="rect">
+            <a:avLst/>
+          </a:prstGeom>
+        </p:spPr>
+        <p:txBody>
+          <a:bodyPr wrap="square">
+            <a:spAutoFit/>
+          </a:bodyPr>
+          <a:lstStyle/>
+          <a:p>
+            <a:r>
+              <a:rPr lang="es-CO" sz="2800" dirty="0">
+                <a:solidFill>
+                  <a:srgbClr val="0099A5"/>
+                </a:solidFill>
+                <a:latin typeface="Arial Narrow" panose="020B0606020202030204" pitchFamily="34" charset="0"/>
+                <a:cs typeface="Times New Roman" pitchFamily="18" charset="0"/>
+              </a:rPr>
+              <a:t>21. </a:t>
+            </a:r>
+            <a:r>
+              <a:rPr lang="es-CO" sz="2800" dirty="0">
+                <a:solidFill>
+                  <a:srgbClr val="0099A5"/>
+                </a:solidFill>
+                <a:latin typeface="Arial Narrow" panose="020B0606020202030204" pitchFamily="34" charset="0"/>
+                <a:cs typeface="Times New Roman" pitchFamily="18" charset="0"/>
+                <a:hlinkClick r:id="rId2" action="ppaction://hlinkfile"/>
+              </a:rPr>
+              <a:t>Cuadro</a:t>
+            </a:r>
+            <a:r>
+              <a:rPr lang="es-CO" sz="2800" dirty="0">
+                <a:solidFill>
+                  <a:srgbClr val="0099A5"/>
+                </a:solidFill>
+                <a:latin typeface="Arial Narrow" panose="020B0606020202030204" pitchFamily="34" charset="0"/>
+                <a:cs typeface="Times New Roman" pitchFamily="18" charset="0"/>
+              </a:rPr>
+              <a:t> </a:t>
+            </a:r>
+            <a:r>
+              <a:rPr lang="es-CO" sz="2800" dirty="0">
+                <a:solidFill>
+                  <a:srgbClr val="0099A5"/>
+                </a:solidFill>
+                <a:latin typeface="Arial Narrow" panose="020B0606020202030204" pitchFamily="34" charset="0"/>
+                <a:cs typeface="Times New Roman" pitchFamily="18" charset="0"/>
+                <a:hlinkClick r:id="rId3" action="ppaction://hlinkfile"/>
+              </a:rPr>
+              <a:t>comparativo</a:t>
+            </a:r>
+            <a:r>
+              <a:rPr lang="es-CO" sz="2800" dirty="0">
+                <a:solidFill>
+                  <a:srgbClr val="0099A5"/>
+                </a:solidFill>
+                <a:latin typeface="Arial Narrow" panose="020B0606020202030204" pitchFamily="34" charset="0"/>
+                <a:cs typeface="Times New Roman" pitchFamily="18" charset="0"/>
+              </a:rPr>
+              <a:t> de los diferente proveedores donde se obtendrá el hardware y software</a:t>
+            </a:r>
+          </a:p>
+          <a:p>
+            <a:endParaRPr lang="es-ES" altLang="es-ES" sz="2800" dirty="0">
+              <a:solidFill>
+                <a:srgbClr val="0099A5"/>
+              </a:solidFill>
+              <a:latin typeface="Arial Narrow" panose="020B0606020202030204" pitchFamily="34" charset="0"/>
+              <a:cs typeface="Times New Roman" pitchFamily="18" charset="0"/>
+            </a:endParaRPr>
+          </a:p>
+          <a:p>
+            <a:r>
+              <a:rPr lang="es-ES" altLang="es-ES" sz="2800" dirty="0">
+                <a:solidFill>
+                  <a:srgbClr val="0099A5"/>
+                </a:solidFill>
+                <a:latin typeface="Arial Narrow" panose="020B0606020202030204" pitchFamily="34" charset="0"/>
+                <a:cs typeface="Times New Roman" pitchFamily="18" charset="0"/>
+              </a:rPr>
+              <a:t>22. </a:t>
+            </a:r>
+            <a:r>
+              <a:rPr lang="es-CO" sz="2800" dirty="0">
+                <a:solidFill>
+                  <a:srgbClr val="0099A5"/>
+                </a:solidFill>
+                <a:latin typeface="Arial Narrow" panose="020B0606020202030204" pitchFamily="34" charset="0"/>
+                <a:cs typeface="Times New Roman" pitchFamily="18" charset="0"/>
+              </a:rPr>
+              <a:t>Sistemas de control de versiones</a:t>
+            </a:r>
+            <a:endParaRPr lang="es-CO" sz="2800" dirty="0">
+              <a:solidFill>
+                <a:srgbClr val="0099A5"/>
+              </a:solidFill>
+              <a:latin typeface="Arial Narrow" panose="020B0606020202030204" pitchFamily="34" charset="0"/>
+              <a:cs typeface="Times New Roman" pitchFamily="18" charset="0"/>
+            </a:endParaRPr>
+          </a:p>
+        </p:txBody>
+      </p:sp>
+    </p:spTree>
+    <p:extLst>
+      <p:ext uri="{BB962C8B-B14F-4D97-AF65-F5344CB8AC3E}">
+        <p14:creationId xmlns:p14="http://schemas.microsoft.com/office/powerpoint/2010/main" val="1590556330"/>
+      </p:ext>
+    </p:extLst>
+  </p:cSld>
+  <p:clrMapOvr>
+    <a:masterClrMapping/>
+  </p:clrMapOvr>
+</p:sld>
+</file>
+
+<file path=ppt/slides/slide18.xml><?xml version="1.0" encoding="utf-8"?>
+<p:sld xmlns:a="http://schemas.openxmlformats.org/drawingml/2006/main" xmlns:r="http://schemas.openxmlformats.org/officeDocument/2006/relationships" xmlns:p="http://schemas.openxmlformats.org/presentationml/2006/main">
+  <p:cSld>
+    <p:spTree>
+      <p:nvGrpSpPr>
+        <p:cNvPr id="1" name=""/>
+        <p:cNvGrpSpPr/>
+        <p:nvPr/>
+      </p:nvGrpSpPr>
+      <p:grpSpPr>
+        <a:xfrm>
+          <a:off x="0" y="0"/>
+          <a:ext cx="0" cy="0"/>
+          <a:chOff x="0" y="0"/>
+          <a:chExt cx="0" cy="0"/>
+        </a:xfrm>
+      </p:grpSpPr>
+      <p:sp>
+        <p:nvSpPr>
+          <p:cNvPr id="2" name="Marcador de contenido 2"/>
+          <p:cNvSpPr txBox="1">
+            <a:spLocks/>
+          </p:cNvSpPr>
+          <p:nvPr/>
+        </p:nvSpPr>
+        <p:spPr>
+          <a:xfrm>
+            <a:off x="1002937" y="2259875"/>
+            <a:ext cx="7807985" cy="4235520"/>
+          </a:xfrm>
+          <a:prstGeom prst="rect">
+            <a:avLst/>
+          </a:prstGeom>
+        </p:spPr>
+        <p:txBody>
+          <a:bodyPr vert="horz" lIns="91440" tIns="45720" rIns="91440" bIns="45720" rtlCol="0">
+            <a:noAutofit/>
+          </a:bodyPr>
+          <a:lstStyle>
+            <a:lvl1pPr marL="342900" indent="-342900" algn="l" defTabSz="457200" rtl="0" eaLnBrk="1" latinLnBrk="0" hangingPunct="1">
+              <a:spcBef>
+                <a:spcPct val="20000"/>
+              </a:spcBef>
+              <a:buFont typeface="Arial"/>
+              <a:buChar char="•"/>
+              <a:defRPr sz="3200" kern="1200">
+                <a:solidFill>
+                  <a:schemeClr val="tx1"/>
+                </a:solidFill>
+                <a:latin typeface="+mn-lt"/>
+                <a:ea typeface="+mn-ea"/>
+                <a:cs typeface="+mn-cs"/>
+              </a:defRPr>
+            </a:lvl1pPr>
+            <a:lvl2pPr marL="742950" indent="-285750" algn="l" defTabSz="457200" rtl="0" eaLnBrk="1" latinLnBrk="0" hangingPunct="1">
+              <a:spcBef>
+                <a:spcPct val="20000"/>
+              </a:spcBef>
+              <a:buFont typeface="Arial"/>
+              <a:buChar char="–"/>
+              <a:defRPr sz="2800" kern="1200">
+                <a:solidFill>
+                  <a:schemeClr val="tx1"/>
+                </a:solidFill>
+                <a:latin typeface="+mn-lt"/>
+                <a:ea typeface="+mn-ea"/>
+                <a:cs typeface="+mn-cs"/>
+              </a:defRPr>
+            </a:lvl2pPr>
+            <a:lvl3pPr marL="1143000" indent="-228600" algn="l" defTabSz="457200" rtl="0" eaLnBrk="1" latinLnBrk="0" hangingPunct="1">
+              <a:spcBef>
+                <a:spcPct val="20000"/>
+              </a:spcBef>
+              <a:buFont typeface="Arial"/>
+              <a:buChar char="•"/>
+              <a:defRPr sz="2400" kern="1200">
+                <a:solidFill>
+                  <a:schemeClr val="tx1"/>
+                </a:solidFill>
+                <a:latin typeface="+mn-lt"/>
+                <a:ea typeface="+mn-ea"/>
+                <a:cs typeface="+mn-cs"/>
+              </a:defRPr>
+            </a:lvl3pPr>
+            <a:lvl4pPr marL="1600200" indent="-228600" algn="l" defTabSz="457200" rtl="0" eaLnBrk="1" latinLnBrk="0" hangingPunct="1">
+              <a:spcBef>
+                <a:spcPct val="20000"/>
+              </a:spcBef>
+              <a:buFont typeface="Arial"/>
+              <a:buChar char="–"/>
+              <a:defRPr sz="2000" kern="1200">
+                <a:solidFill>
+                  <a:schemeClr val="tx1"/>
+                </a:solidFill>
+                <a:latin typeface="+mn-lt"/>
+                <a:ea typeface="+mn-ea"/>
+                <a:cs typeface="+mn-cs"/>
+              </a:defRPr>
+            </a:lvl4pPr>
+            <a:lvl5pPr marL="2057400" indent="-228600" algn="l" defTabSz="457200" rtl="0" eaLnBrk="1" latinLnBrk="0" hangingPunct="1">
+              <a:spcBef>
+                <a:spcPct val="20000"/>
+              </a:spcBef>
+              <a:buFont typeface="Arial"/>
+              <a:buChar char="»"/>
+              <a:defRPr sz="2000" kern="1200">
+                <a:solidFill>
+                  <a:schemeClr val="tx1"/>
+                </a:solidFill>
+                <a:latin typeface="+mn-lt"/>
+                <a:ea typeface="+mn-ea"/>
+                <a:cs typeface="+mn-cs"/>
+              </a:defRPr>
+            </a:lvl5pPr>
+            <a:lvl6pPr marL="2514600" indent="-228600" algn="l" defTabSz="457200" rtl="0" eaLnBrk="1" latinLnBrk="0" hangingPunct="1">
+              <a:spcBef>
+                <a:spcPct val="20000"/>
+              </a:spcBef>
+              <a:buFont typeface="Arial"/>
+              <a:buChar char="•"/>
+              <a:defRPr sz="2000" kern="1200">
+                <a:solidFill>
+                  <a:schemeClr val="tx1"/>
+                </a:solidFill>
+                <a:latin typeface="+mn-lt"/>
+                <a:ea typeface="+mn-ea"/>
+                <a:cs typeface="+mn-cs"/>
+              </a:defRPr>
+            </a:lvl6pPr>
+            <a:lvl7pPr marL="2971800" indent="-228600" algn="l" defTabSz="457200" rtl="0" eaLnBrk="1" latinLnBrk="0" hangingPunct="1">
+              <a:spcBef>
+                <a:spcPct val="20000"/>
+              </a:spcBef>
+              <a:buFont typeface="Arial"/>
+              <a:buChar char="•"/>
+              <a:defRPr sz="2000" kern="1200">
+                <a:solidFill>
+                  <a:schemeClr val="tx1"/>
+                </a:solidFill>
+                <a:latin typeface="+mn-lt"/>
+                <a:ea typeface="+mn-ea"/>
+                <a:cs typeface="+mn-cs"/>
+              </a:defRPr>
+            </a:lvl7pPr>
+            <a:lvl8pPr marL="3429000" indent="-228600" algn="l" defTabSz="457200" rtl="0" eaLnBrk="1" latinLnBrk="0" hangingPunct="1">
+              <a:spcBef>
+                <a:spcPct val="20000"/>
+              </a:spcBef>
+              <a:buFont typeface="Arial"/>
+              <a:buChar char="•"/>
+              <a:defRPr sz="2000" kern="1200">
+                <a:solidFill>
+                  <a:schemeClr val="tx1"/>
+                </a:solidFill>
+                <a:latin typeface="+mn-lt"/>
+                <a:ea typeface="+mn-ea"/>
+                <a:cs typeface="+mn-cs"/>
+              </a:defRPr>
+            </a:lvl8pPr>
+            <a:lvl9pPr marL="3886200" indent="-228600" algn="l" defTabSz="457200" rtl="0" eaLnBrk="1" latinLnBrk="0" hangingPunct="1">
+              <a:spcBef>
+                <a:spcPct val="20000"/>
+              </a:spcBef>
+              <a:buFont typeface="Arial"/>
+              <a:buChar char="•"/>
+              <a:defRPr sz="2000" kern="1200">
+                <a:solidFill>
+                  <a:schemeClr val="tx1"/>
+                </a:solidFill>
+                <a:latin typeface="+mn-lt"/>
+                <a:ea typeface="+mn-ea"/>
+                <a:cs typeface="+mn-cs"/>
+              </a:defRPr>
+            </a:lvl9pPr>
+          </a:lstStyle>
+          <a:p>
+            <a:pPr marL="0" indent="0">
+              <a:buNone/>
+            </a:pPr>
+            <a:r>
+              <a:rPr lang="es-ES" altLang="es-ES" dirty="0" smtClean="0">
+                <a:solidFill>
+                  <a:srgbClr val="0099A5"/>
+                </a:solidFill>
+                <a:latin typeface="Arial Narrow" panose="020B0606020202030204" pitchFamily="34" charset="0"/>
+                <a:cs typeface="Times New Roman" pitchFamily="18" charset="0"/>
+              </a:rPr>
+              <a:t>24. </a:t>
+            </a:r>
+            <a:r>
+              <a:rPr lang="es-CO" dirty="0">
+                <a:solidFill>
+                  <a:srgbClr val="0099A5"/>
+                </a:solidFill>
+                <a:latin typeface="Arial Narrow" panose="020B0606020202030204" pitchFamily="34" charset="0"/>
+                <a:cs typeface="Times New Roman" pitchFamily="18" charset="0"/>
+                <a:hlinkClick r:id="rId2" action="ppaction://hlinkfile"/>
+              </a:rPr>
+              <a:t>Base de </a:t>
+            </a:r>
+            <a:r>
+              <a:rPr lang="es-CO" dirty="0" smtClean="0">
+                <a:solidFill>
+                  <a:srgbClr val="0099A5"/>
+                </a:solidFill>
+                <a:latin typeface="Arial Narrow" panose="020B0606020202030204" pitchFamily="34" charset="0"/>
+                <a:cs typeface="Times New Roman" pitchFamily="18" charset="0"/>
+                <a:hlinkClick r:id="rId2" action="ppaction://hlinkfile"/>
+              </a:rPr>
+              <a:t>Datos</a:t>
+            </a:r>
+            <a:r>
+              <a:rPr lang="es-CO" dirty="0" smtClean="0">
+                <a:solidFill>
+                  <a:srgbClr val="0099A5"/>
+                </a:solidFill>
+                <a:latin typeface="Arial Narrow" panose="020B0606020202030204" pitchFamily="34" charset="0"/>
+                <a:cs typeface="Times New Roman" pitchFamily="18" charset="0"/>
+              </a:rPr>
+              <a:t> </a:t>
+            </a:r>
+            <a:endParaRPr lang="es-CO" dirty="0">
+              <a:solidFill>
+                <a:srgbClr val="0099A5"/>
+              </a:solidFill>
+              <a:latin typeface="Arial Narrow" panose="020B0606020202030204" pitchFamily="34" charset="0"/>
+              <a:cs typeface="Times New Roman" pitchFamily="18" charset="0"/>
+            </a:endParaRPr>
+          </a:p>
+          <a:p>
+            <a:pPr marL="0" indent="0">
+              <a:buNone/>
+            </a:pPr>
+            <a:r>
+              <a:rPr lang="es-CO" dirty="0">
+                <a:solidFill>
+                  <a:srgbClr val="0099A5"/>
+                </a:solidFill>
+                <a:latin typeface="Arial Narrow" panose="020B0606020202030204" pitchFamily="34" charset="0"/>
+                <a:cs typeface="Times New Roman" pitchFamily="18" charset="0"/>
+              </a:rPr>
+              <a:t>	-Construcción de la Base de Datos</a:t>
+            </a:r>
+          </a:p>
+          <a:p>
+            <a:pPr marL="0" indent="0">
+              <a:buNone/>
+            </a:pPr>
+            <a:r>
+              <a:rPr lang="es-CO" dirty="0">
+                <a:solidFill>
+                  <a:srgbClr val="0099A5"/>
+                </a:solidFill>
+                <a:latin typeface="Arial Narrow" panose="020B0606020202030204" pitchFamily="34" charset="0"/>
+                <a:cs typeface="Times New Roman" pitchFamily="18" charset="0"/>
+              </a:rPr>
+              <a:t>	-Datos insertados en la Base de Datos</a:t>
+            </a:r>
+          </a:p>
+          <a:p>
+            <a:pPr marL="0" indent="0">
+              <a:buNone/>
+            </a:pPr>
+            <a:r>
+              <a:rPr lang="es-CO" dirty="0">
+                <a:solidFill>
+                  <a:srgbClr val="0099A5"/>
+                </a:solidFill>
+                <a:latin typeface="Arial Narrow" panose="020B0606020202030204" pitchFamily="34" charset="0"/>
+                <a:cs typeface="Times New Roman" pitchFamily="18" charset="0"/>
+              </a:rPr>
+              <a:t>	-Consultas y </a:t>
+            </a:r>
+            <a:r>
+              <a:rPr lang="es-CO" dirty="0" err="1">
+                <a:solidFill>
+                  <a:srgbClr val="0099A5"/>
+                </a:solidFill>
+                <a:latin typeface="Arial Narrow" panose="020B0606020202030204" pitchFamily="34" charset="0"/>
+                <a:cs typeface="Times New Roman" pitchFamily="18" charset="0"/>
+              </a:rPr>
+              <a:t>joins</a:t>
+            </a:r>
+            <a:r>
+              <a:rPr lang="es-CO" dirty="0">
+                <a:solidFill>
+                  <a:srgbClr val="0099A5"/>
+                </a:solidFill>
+                <a:latin typeface="Arial Narrow" panose="020B0606020202030204" pitchFamily="34" charset="0"/>
+                <a:cs typeface="Times New Roman" pitchFamily="18" charset="0"/>
+              </a:rPr>
+              <a:t> en la Base de Datos</a:t>
+            </a:r>
+          </a:p>
+          <a:p>
+            <a:pPr marL="0" indent="0">
+              <a:buNone/>
+            </a:pPr>
+            <a:endParaRPr lang="es-CO" dirty="0">
+              <a:solidFill>
+                <a:srgbClr val="0099A5"/>
+              </a:solidFill>
+              <a:latin typeface="Arial Narrow" panose="020B0606020202030204" pitchFamily="34" charset="0"/>
+              <a:cs typeface="Times New Roman" pitchFamily="18" charset="0"/>
+            </a:endParaRPr>
+          </a:p>
+          <a:p>
+            <a:pPr marL="0" indent="0">
+              <a:buNone/>
+            </a:pPr>
+            <a:r>
+              <a:rPr lang="es-CO" dirty="0" smtClean="0">
+                <a:solidFill>
+                  <a:srgbClr val="0099A5"/>
+                </a:solidFill>
+                <a:latin typeface="Arial Narrow" panose="020B0606020202030204" pitchFamily="34" charset="0"/>
+                <a:cs typeface="Times New Roman" pitchFamily="18" charset="0"/>
+              </a:rPr>
+              <a:t>25. </a:t>
+            </a:r>
+            <a:r>
+              <a:rPr lang="es-CO" dirty="0">
+                <a:solidFill>
+                  <a:srgbClr val="0099A5"/>
+                </a:solidFill>
+                <a:latin typeface="Arial Narrow" panose="020B0606020202030204" pitchFamily="34" charset="0"/>
+                <a:cs typeface="Times New Roman" pitchFamily="18" charset="0"/>
+                <a:hlinkClick r:id="rId3" action="ppaction://hlinkfile"/>
+              </a:rPr>
+              <a:t>Prototipo</a:t>
+            </a:r>
+            <a:r>
+              <a:rPr lang="es-CO" dirty="0">
+                <a:solidFill>
+                  <a:srgbClr val="0099A5"/>
+                </a:solidFill>
+                <a:latin typeface="Arial Narrow" panose="020B0606020202030204" pitchFamily="34" charset="0"/>
+                <a:cs typeface="Times New Roman" pitchFamily="18" charset="0"/>
+              </a:rPr>
+              <a:t> no funcional usando CSS a partir de </a:t>
+            </a:r>
+            <a:r>
+              <a:rPr lang="es-CO" dirty="0" smtClean="0">
+                <a:solidFill>
+                  <a:srgbClr val="0099A5"/>
+                </a:solidFill>
+                <a:latin typeface="Arial Narrow" panose="020B0606020202030204" pitchFamily="34" charset="0"/>
+                <a:cs typeface="Times New Roman" pitchFamily="18" charset="0"/>
+              </a:rPr>
+              <a:t>un </a:t>
+            </a:r>
+            <a:r>
+              <a:rPr lang="es-CO" dirty="0" err="1">
+                <a:solidFill>
+                  <a:srgbClr val="0099A5"/>
+                </a:solidFill>
+                <a:latin typeface="Arial Narrow" panose="020B0606020202030204" pitchFamily="34" charset="0"/>
+                <a:cs typeface="Times New Roman" pitchFamily="18" charset="0"/>
+              </a:rPr>
+              <a:t>mockup</a:t>
+            </a:r>
+            <a:r>
+              <a:rPr lang="es-CO" dirty="0">
+                <a:solidFill>
+                  <a:srgbClr val="0099A5"/>
+                </a:solidFill>
+                <a:latin typeface="Arial Narrow" panose="020B0606020202030204" pitchFamily="34" charset="0"/>
+                <a:cs typeface="Times New Roman" pitchFamily="18" charset="0"/>
+              </a:rPr>
+              <a:t> o </a:t>
+            </a:r>
+            <a:r>
+              <a:rPr lang="es-CO" dirty="0" err="1">
+                <a:solidFill>
+                  <a:srgbClr val="0099A5"/>
+                </a:solidFill>
+                <a:latin typeface="Arial Narrow" panose="020B0606020202030204" pitchFamily="34" charset="0"/>
+                <a:cs typeface="Times New Roman" pitchFamily="18" charset="0"/>
+              </a:rPr>
+              <a:t>wireframe</a:t>
+            </a:r>
+            <a:endParaRPr lang="es-CO" dirty="0">
+              <a:solidFill>
+                <a:srgbClr val="0099A5"/>
+              </a:solidFill>
+              <a:latin typeface="Arial Narrow" panose="020B0606020202030204" pitchFamily="34" charset="0"/>
+              <a:cs typeface="Times New Roman" pitchFamily="18" charset="0"/>
+            </a:endParaRPr>
+          </a:p>
+        </p:txBody>
+      </p:sp>
+      <p:sp>
+        <p:nvSpPr>
+          <p:cNvPr id="3" name="Título 1"/>
+          <p:cNvSpPr txBox="1">
+            <a:spLocks/>
+          </p:cNvSpPr>
+          <p:nvPr/>
+        </p:nvSpPr>
+        <p:spPr>
+          <a:xfrm>
+            <a:off x="458271" y="170587"/>
+            <a:ext cx="5664870" cy="930166"/>
+          </a:xfrm>
+          <a:prstGeom prst="rect">
+            <a:avLst/>
+          </a:prstGeom>
+        </p:spPr>
+        <p:txBody>
+          <a:bodyPr vert="horz" lIns="91440" tIns="45720" rIns="91440" bIns="45720" rtlCol="0" anchor="ctr">
+            <a:noAutofit/>
+          </a:bodyPr>
+          <a:lstStyle>
+            <a:lvl1pPr algn="ctr" defTabSz="457200" rtl="0" eaLnBrk="1" latinLnBrk="0" hangingPunct="1">
+              <a:spcBef>
+                <a:spcPct val="0"/>
+              </a:spcBef>
+              <a:buNone/>
+              <a:defRPr sz="4400" kern="1200">
+                <a:solidFill>
+                  <a:schemeClr val="tx1"/>
+                </a:solidFill>
+                <a:latin typeface="+mj-lt"/>
+                <a:ea typeface="+mj-ea"/>
+                <a:cs typeface="+mj-cs"/>
+              </a:defRPr>
+            </a:lvl1pPr>
+          </a:lstStyle>
+          <a:p>
+            <a:pPr algn="l" defTabSz="288000"/>
+            <a:r>
+              <a:rPr lang="es-CO" sz="5400" b="1" dirty="0" smtClean="0">
+                <a:solidFill>
+                  <a:schemeClr val="bg1"/>
+                </a:solidFill>
+              </a:rPr>
+              <a:t>Componente </a:t>
+            </a:r>
+          </a:p>
+        </p:txBody>
+      </p:sp>
+      <p:sp>
+        <p:nvSpPr>
+          <p:cNvPr id="4" name="Título 1"/>
+          <p:cNvSpPr txBox="1">
+            <a:spLocks/>
+          </p:cNvSpPr>
+          <p:nvPr/>
+        </p:nvSpPr>
+        <p:spPr>
+          <a:xfrm>
+            <a:off x="474037" y="565070"/>
+            <a:ext cx="7391400" cy="1172754"/>
+          </a:xfrm>
+          <a:prstGeom prst="rect">
+            <a:avLst/>
+          </a:prstGeom>
+        </p:spPr>
+        <p:txBody>
+          <a:bodyPr vert="horz" lIns="91440" tIns="45720" rIns="91440" bIns="45720" rtlCol="0" anchor="ctr">
+            <a:noAutofit/>
+          </a:bodyPr>
+          <a:lstStyle>
+            <a:lvl1pPr algn="ctr" defTabSz="457200" rtl="0" eaLnBrk="1" latinLnBrk="0" hangingPunct="1">
+              <a:spcBef>
+                <a:spcPct val="0"/>
+              </a:spcBef>
+              <a:buNone/>
+              <a:defRPr sz="4400" kern="1200">
+                <a:solidFill>
+                  <a:schemeClr val="tx1"/>
+                </a:solidFill>
+                <a:latin typeface="+mj-lt"/>
+                <a:ea typeface="+mj-ea"/>
+                <a:cs typeface="+mj-cs"/>
+              </a:defRPr>
+            </a:lvl1pPr>
+          </a:lstStyle>
+          <a:p>
+            <a:pPr algn="l" defTabSz="288000"/>
+            <a:r>
+              <a:rPr lang="es-CO" b="1" dirty="0" smtClean="0">
+                <a:solidFill>
+                  <a:schemeClr val="bg1">
+                    <a:lumMod val="95000"/>
+                  </a:schemeClr>
+                </a:solidFill>
+              </a:rPr>
+              <a:t>Técnico</a:t>
+            </a:r>
+          </a:p>
+        </p:txBody>
+      </p:sp>
+    </p:spTree>
+    <p:extLst>
+      <p:ext uri="{BB962C8B-B14F-4D97-AF65-F5344CB8AC3E}">
+        <p14:creationId xmlns:p14="http://schemas.microsoft.com/office/powerpoint/2010/main" val="1495103441"/>
+      </p:ext>
+    </p:extLst>
+  </p:cSld>
+  <p:clrMapOvr>
+    <a:masterClrMapping/>
+  </p:clrMapOvr>
+</p:sld>
+</file>
+
+<file path=ppt/slides/slide19.xml><?xml version="1.0" encoding="utf-8"?>
+<p:sld xmlns:a="http://schemas.openxmlformats.org/drawingml/2006/main" xmlns:r="http://schemas.openxmlformats.org/officeDocument/2006/relationships" xmlns:p="http://schemas.openxmlformats.org/presentationml/2006/main">
+  <p:cSld>
+    <p:spTree>
+      <p:nvGrpSpPr>
+        <p:cNvPr id="1" name=""/>
+        <p:cNvGrpSpPr/>
+        <p:nvPr/>
+      </p:nvGrpSpPr>
+      <p:grpSpPr>
+        <a:xfrm>
+          <a:off x="0" y="0"/>
+          <a:ext cx="0" cy="0"/>
+          <a:chOff x="0" y="0"/>
+          <a:chExt cx="0" cy="0"/>
+        </a:xfrm>
+      </p:grpSpPr>
+      <p:sp>
+        <p:nvSpPr>
+          <p:cNvPr id="4" name="Título 1"/>
+          <p:cNvSpPr txBox="1">
+            <a:spLocks/>
+          </p:cNvSpPr>
+          <p:nvPr/>
+        </p:nvSpPr>
+        <p:spPr>
+          <a:xfrm>
+            <a:off x="458271" y="170587"/>
+            <a:ext cx="5664870" cy="930166"/>
+          </a:xfrm>
+          <a:prstGeom prst="rect">
+            <a:avLst/>
+          </a:prstGeom>
+        </p:spPr>
+        <p:txBody>
+          <a:bodyPr vert="horz" lIns="91440" tIns="45720" rIns="91440" bIns="45720" rtlCol="0" anchor="ctr">
+            <a:noAutofit/>
+          </a:bodyPr>
+          <a:lstStyle>
+            <a:lvl1pPr algn="ctr" defTabSz="457200" rtl="0" eaLnBrk="1" latinLnBrk="0" hangingPunct="1">
+              <a:spcBef>
+                <a:spcPct val="0"/>
+              </a:spcBef>
+              <a:buNone/>
+              <a:defRPr sz="4400" kern="1200">
+                <a:solidFill>
+                  <a:schemeClr val="tx1"/>
+                </a:solidFill>
+                <a:latin typeface="+mj-lt"/>
+                <a:ea typeface="+mj-ea"/>
+                <a:cs typeface="+mj-cs"/>
+              </a:defRPr>
+            </a:lvl1pPr>
+          </a:lstStyle>
+          <a:p>
+            <a:pPr algn="l" defTabSz="288000"/>
+            <a:r>
+              <a:rPr lang="es-CO" sz="5400" b="1" dirty="0">
+                <a:solidFill>
+                  <a:schemeClr val="bg1"/>
+                </a:solidFill>
+              </a:rPr>
+              <a:t>Componente </a:t>
+            </a:r>
+          </a:p>
+        </p:txBody>
+      </p:sp>
+      <p:sp>
+        <p:nvSpPr>
+          <p:cNvPr id="5" name="Título 1"/>
+          <p:cNvSpPr txBox="1">
+            <a:spLocks/>
+          </p:cNvSpPr>
+          <p:nvPr/>
+        </p:nvSpPr>
+        <p:spPr>
+          <a:xfrm>
+            <a:off x="474037" y="565070"/>
+            <a:ext cx="7391400" cy="1172754"/>
+          </a:xfrm>
+          <a:prstGeom prst="rect">
+            <a:avLst/>
+          </a:prstGeom>
+        </p:spPr>
+        <p:txBody>
+          <a:bodyPr vert="horz" lIns="91440" tIns="45720" rIns="91440" bIns="45720" rtlCol="0" anchor="ctr">
+            <a:noAutofit/>
+          </a:bodyPr>
+          <a:lstStyle>
+            <a:lvl1pPr algn="ctr" defTabSz="457200" rtl="0" eaLnBrk="1" latinLnBrk="0" hangingPunct="1">
+              <a:spcBef>
+                <a:spcPct val="0"/>
+              </a:spcBef>
+              <a:buNone/>
+              <a:defRPr sz="4400" kern="1200">
+                <a:solidFill>
+                  <a:schemeClr val="tx1"/>
+                </a:solidFill>
+                <a:latin typeface="+mj-lt"/>
+                <a:ea typeface="+mj-ea"/>
+                <a:cs typeface="+mj-cs"/>
+              </a:defRPr>
+            </a:lvl1pPr>
+          </a:lstStyle>
+          <a:p>
+            <a:pPr algn="l" defTabSz="288000"/>
+            <a:r>
               <a:rPr lang="es-CO" b="1" dirty="0">
                 <a:solidFill>
                   <a:schemeClr val="bg1">
@@ -8894,7 +10076,7 @@
         <p:spPr>
           <a:xfrm>
             <a:off x="458271" y="2457882"/>
-            <a:ext cx="8280780" cy="1938992"/>
+            <a:ext cx="8280780" cy="2862322"/>
           </a:xfrm>
           <a:prstGeom prst="rect">
             <a:avLst/>
@@ -8949,8 +10131,54 @@
                 <a:latin typeface="Arial" panose="020B0604020202020204" pitchFamily="34" charset="0"/>
                 <a:cs typeface="Arial" panose="020B0604020202020204" pitchFamily="34" charset="0"/>
               </a:rPr>
-              <a:t>Gracias por su atención</a:t>
+              <a:t>Gracias por su </a:t>
             </a:r>
+            <a:r>
+              <a:rPr lang="es-ES" sz="6000" b="1" spc="300" dirty="0" smtClean="0">
+                <a:ln w="11430" cmpd="sng">
+                  <a:solidFill>
+                    <a:schemeClr val="accent1">
+                      <a:tint val="10000"/>
+                    </a:schemeClr>
+                  </a:solidFill>
+                  <a:prstDash val="solid"/>
+                  <a:miter lim="800000"/>
+                </a:ln>
+                <a:gradFill>
+                  <a:gsLst>
+                    <a:gs pos="10000">
+                      <a:schemeClr val="accent1">
+                        <a:tint val="83000"/>
+                        <a:shade val="100000"/>
+                        <a:satMod val="200000"/>
+                      </a:schemeClr>
+                    </a:gs>
+                    <a:gs pos="75000">
+                      <a:schemeClr val="accent1">
+                        <a:tint val="100000"/>
+                        <a:shade val="50000"/>
+                        <a:satMod val="150000"/>
+                      </a:schemeClr>
+                    </a:gs>
+                  </a:gsLst>
+                  <a:lin ang="5400000"/>
+                </a:gradFill>
+                <a:effectLst>
+                  <a:glow rad="45500">
+                    <a:schemeClr val="accent1">
+                      <a:satMod val="220000"/>
+                      <a:alpha val="35000"/>
+                    </a:schemeClr>
+                  </a:glow>
+                </a:effectLst>
+                <a:latin typeface="Arial" panose="020B0604020202020204" pitchFamily="34" charset="0"/>
+                <a:cs typeface="Arial" panose="020B0604020202020204" pitchFamily="34" charset="0"/>
+              </a:rPr>
+              <a:t>atención</a:t>
+            </a:r>
+          </a:p>
+          <a:p>
+            <a:pPr algn="ctr"/>
             <a:endParaRPr lang="es-ES" sz="6000" b="1" cap="none" spc="300" dirty="0">
               <a:ln w="11430" cmpd="sng">
                 <a:solidFill>
@@ -9004,6 +10232,13 @@
   <p:clrMapOvr>
     <a:masterClrMapping/>
   </p:clrMapOvr>
+  <p:timing>
+    <p:tnLst>
+      <p:par>
+        <p:cTn id="1" dur="indefinite" restart="never" nodeType="tmRoot"/>
+      </p:par>
+    </p:tnLst>
+  </p:timing>
 </p:sld>
 </file>
 
@@ -9368,6 +10603,13 @@
   <p:clrMapOvr>
     <a:masterClrMapping/>
   </p:clrMapOvr>
+  <p:timing>
+    <p:tnLst>
+      <p:par>
+        <p:cTn id="1" dur="indefinite" restart="never" nodeType="tmRoot"/>
+      </p:par>
+    </p:tnLst>
+  </p:timing>
 </p:sld>
 </file>
 
@@ -9531,6 +10773,13 @@
   <p:clrMapOvr>
     <a:masterClrMapping/>
   </p:clrMapOvr>
+  <p:timing>
+    <p:tnLst>
+      <p:par>
+        <p:cTn id="1" dur="indefinite" restart="never" nodeType="tmRoot"/>
+      </p:par>
+    </p:tnLst>
+  </p:timing>
 </p:sld>
 </file>
 
@@ -9883,7 +11132,21 @@
                 <a:latin typeface="Arial" panose="020B0604020202020204" pitchFamily="34" charset="0"/>
                 <a:cs typeface="Arial" panose="020B0604020202020204" pitchFamily="34" charset="0"/>
               </a:rPr>
-              <a:t>Diseñar e implementar un sistema de información que facilite  el  registro de los  usuarios, el seguimiento de los proyectos  mediante una ficha técnica, un kardex de los materiales y generar reportes. </a:t>
+              <a:t>Diseñar e implementar un sistema de inventario para la empresa </a:t>
+            </a:r>
+            <a:r>
+              <a:rPr lang="es-CO" sz="3000" dirty="0" err="1">
+                <a:latin typeface="Arial" panose="020B0604020202020204" pitchFamily="34" charset="0"/>
+                <a:cs typeface="Arial" panose="020B0604020202020204" pitchFamily="34" charset="0"/>
+              </a:rPr>
+              <a:t>Klimatizar</a:t>
+            </a:r>
+            <a:r>
+              <a:rPr lang="es-CO" sz="3000" dirty="0">
+                <a:latin typeface="Arial" panose="020B0604020202020204" pitchFamily="34" charset="0"/>
+                <a:cs typeface="Arial" panose="020B0604020202020204" pitchFamily="34" charset="0"/>
+              </a:rPr>
+              <a:t> Colombia SAS permitiendo la solución de las necesidades de inventario de la empresa. </a:t>
             </a:r>
           </a:p>
         </p:txBody>
@@ -9898,6 +11161,13 @@
   <p:clrMapOvr>
     <a:masterClrMapping/>
   </p:clrMapOvr>
+  <p:timing>
+    <p:tnLst>
+      <p:par>
+        <p:cTn id="1" dur="indefinite" restart="never" nodeType="tmRoot"/>
+      </p:par>
+    </p:tnLst>
+  </p:timing>
 </p:sld>
 </file>
 
@@ -10189,7 +11459,15 @@
             <a:pPr algn="just"/>
             <a:r>
               <a:rPr lang="es-CO" sz="2400" dirty="0"/>
-              <a:t>Realizar el kardex para así tener el seguimiento de los materiales (este generara ordenes de compra, requisición de materiales, devoluciones. )</a:t>
+              <a:t>Realizar el kardex para así tener el seguimiento de los materiales (este generara ordenes de compra, </a:t>
+            </a:r>
+            <a:r>
+              <a:rPr lang="es-CO" sz="2400" dirty="0" smtClean="0"/>
+              <a:t>solicitud y remisión de material. </a:t>
+            </a:r>
+            <a:r>
+              <a:rPr lang="es-CO" sz="2400" dirty="0"/>
+              <a:t>)</a:t>
             </a:r>
           </a:p>
           <a:p>
@@ -10233,6 +11511,13 @@
   <p:clrMapOvr>
     <a:masterClrMapping/>
   </p:clrMapOvr>
+  <p:timing>
+    <p:tnLst>
+      <p:par>
+        <p:cTn id="1" dur="indefinite" restart="never" nodeType="tmRoot"/>
+      </p:par>
+    </p:tnLst>
+  </p:timing>
 </p:sld>
 </file>
 
@@ -10518,12 +11803,56 @@
               <a:buNone/>
             </a:pPr>
             <a:r>
+              <a:rPr lang="es-CO" sz="3500" dirty="0" smtClean="0">
+                <a:latin typeface="Arial" panose="020B0604020202020204" pitchFamily="34" charset="0"/>
+                <a:cs typeface="Arial" panose="020B0604020202020204" pitchFamily="34" charset="0"/>
+              </a:rPr>
+              <a:t>Inconsistencia en el </a:t>
+            </a:r>
+            <a:r>
               <a:rPr lang="es-CO" sz="3500" dirty="0">
                 <a:latin typeface="Arial" panose="020B0604020202020204" pitchFamily="34" charset="0"/>
                 <a:cs typeface="Arial" panose="020B0604020202020204" pitchFamily="34" charset="0"/>
               </a:rPr>
-              <a:t>Falta de control del inventario, carencia de un orden, seguimiento a los diferentes materiales y proyectos.</a:t>
+              <a:t>control del </a:t>
             </a:r>
+            <a:r>
+              <a:rPr lang="es-CO" sz="3500" dirty="0" smtClean="0">
+                <a:latin typeface="Arial" panose="020B0604020202020204" pitchFamily="34" charset="0"/>
+                <a:cs typeface="Arial" panose="020B0604020202020204" pitchFamily="34" charset="0"/>
+              </a:rPr>
+              <a:t>inventario por un orden inadecuado,  que limita el seguimiento </a:t>
+            </a:r>
+            <a:r>
+              <a:rPr lang="es-CO" sz="3500" dirty="0">
+                <a:latin typeface="Arial" panose="020B0604020202020204" pitchFamily="34" charset="0"/>
+                <a:cs typeface="Arial" panose="020B0604020202020204" pitchFamily="34" charset="0"/>
+              </a:rPr>
+              <a:t>a los diferentes </a:t>
+            </a:r>
+            <a:r>
+              <a:rPr lang="es-CO" sz="3500" dirty="0" smtClean="0">
+                <a:latin typeface="Arial" panose="020B0604020202020204" pitchFamily="34" charset="0"/>
+                <a:cs typeface="Arial" panose="020B0604020202020204" pitchFamily="34" charset="0"/>
+              </a:rPr>
+              <a:t>proyectos y materiales de la empresa.</a:t>
+            </a:r>
+          </a:p>
+          <a:p>
+            <a:pPr marL="0" indent="0" algn="just">
+              <a:buNone/>
+            </a:pPr>
+            <a:r>
+              <a:rPr lang="es-CO" sz="3500" dirty="0" smtClean="0">
+                <a:latin typeface="Arial" panose="020B0604020202020204" pitchFamily="34" charset="0"/>
+                <a:cs typeface="Arial" panose="020B0604020202020204" pitchFamily="34" charset="0"/>
+              </a:rPr>
+              <a:t>De igual forma realizando reportes de manera informal.</a:t>
+            </a:r>
+            <a:endParaRPr lang="es-CO" sz="3500" dirty="0">
+              <a:latin typeface="Arial" panose="020B0604020202020204" pitchFamily="34" charset="0"/>
+              <a:cs typeface="Arial" panose="020B0604020202020204" pitchFamily="34" charset="0"/>
+            </a:endParaRPr>
           </a:p>
         </p:txBody>
       </p:sp>
@@ -10537,6 +11866,13 @@
   <p:clrMapOvr>
     <a:masterClrMapping/>
   </p:clrMapOvr>
+  <p:timing>
+    <p:tnLst>
+      <p:par>
+        <p:cTn id="1" dur="indefinite" restart="never" nodeType="tmRoot"/>
+      </p:par>
+    </p:tnLst>
+  </p:timing>
 </p:sld>
 </file>
 
@@ -10883,6 +12219,13 @@
   <p:clrMapOvr>
     <a:masterClrMapping/>
   </p:clrMapOvr>
+  <p:timing>
+    <p:tnLst>
+      <p:par>
+        <p:cTn id="1" dur="indefinite" restart="never" nodeType="tmRoot"/>
+      </p:par>
+    </p:tnLst>
+  </p:timing>
 </p:sld>
 </file>
 
@@ -11182,7 +12525,21 @@
                 <a:latin typeface="Arial" panose="020B0604020202020204" pitchFamily="34" charset="0"/>
                 <a:cs typeface="Arial" panose="020B0604020202020204" pitchFamily="34" charset="0"/>
               </a:rPr>
-              <a:t>La empresa KLIMATIZAR COLOMBIA SAS, tiene un manejo de medios magnéticos del inventario, pero no es el indicado para el seguimiento de los materiales, proyectos ni reportes que se hacen en la empresa. Por tal motivo se llego a la conclusión de implementar un software que facilite y agilice estos procesos. </a:t>
+              <a:t>La empresa KLIMATIZAR COLOMBIA SAS, tiene un manejo de medios magnéticos del inventario, </a:t>
+            </a:r>
+            <a:r>
+              <a:rPr lang="es-CO" sz="2800" dirty="0" smtClean="0">
+                <a:latin typeface="Arial" panose="020B0604020202020204" pitchFamily="34" charset="0"/>
+                <a:cs typeface="Arial" panose="020B0604020202020204" pitchFamily="34" charset="0"/>
+              </a:rPr>
+              <a:t>el cual </a:t>
+            </a:r>
+            <a:r>
+              <a:rPr lang="es-CO" sz="2800" dirty="0">
+                <a:latin typeface="Arial" panose="020B0604020202020204" pitchFamily="34" charset="0"/>
+                <a:cs typeface="Arial" panose="020B0604020202020204" pitchFamily="34" charset="0"/>
+              </a:rPr>
+              <a:t>no es el indicado para el seguimiento de los materiales, proyectos ni reportes que se hacen en la empresa. Por tal motivo se llego a la conclusión de implementar un software que facilite y agilice estos procesos. </a:t>
             </a:r>
           </a:p>
           <a:p>
@@ -11241,6 +12598,13 @@
   <p:clrMapOvr>
     <a:masterClrMapping/>
   </p:clrMapOvr>
+  <p:timing>
+    <p:tnLst>
+      <p:par>
+        <p:cTn id="1" dur="indefinite" restart="never" nodeType="tmRoot"/>
+      </p:par>
+    </p:tnLst>
+  </p:timing>
 </p:sld>
 </file>
 
@@ -11456,6 +12820,13 @@
   <p:clrMapOvr>
     <a:masterClrMapping/>
   </p:clrMapOvr>
+  <p:timing>
+    <p:tnLst>
+      <p:par>
+        <p:cTn id="1" dur="indefinite" restart="never" nodeType="tmRoot"/>
+      </p:par>
+    </p:tnLst>
+  </p:timing>
 </p:sld>
 </file>
 
